--- a/assessment docs/Rails Assessment.pptx
+++ b/assessment docs/Rails Assessment.pptx
@@ -4902,7 +4902,7 @@
       </p:grpSpPr>
       <p:sp>
         <p:nvSpPr>
-          <p:cNvPr id="4" name="文本框 3"/>
+          <p:cNvPr id="5" name="文本框 4"/>
           <p:cNvSpPr txBox="1"/>
           <p:nvPr>
             <p:custDataLst>
@@ -4912,67 +4912,7 @@
         </p:nvSpPr>
         <p:spPr>
           <a:xfrm>
-            <a:off x="838800" y="363600"/>
-            <a:ext cx="10515600" cy="1324800"/>
-          </a:xfrm>
-          <a:prstGeom prst="rect">
-            <a:avLst/>
-          </a:prstGeom>
-        </p:spPr>
-        <p:txBody>
-          <a:bodyPr anchor="ctr" anchorCtr="0">
-            <a:normAutofit/>
-          </a:bodyPr>
-          <a:lstStyle>
-            <a:defPPr>
-              <a:defRPr lang="zh-CN"/>
-            </a:defPPr>
-            <a:lvl1pPr algn="ctr">
-              <a:lnSpc>
-                <a:spcPct val="90000"/>
-              </a:lnSpc>
-              <a:spcBef>
-                <a:spcPct val="0"/>
-              </a:spcBef>
-              <a:buNone/>
-              <a:defRPr sz="4400">
-                <a:latin typeface="+mj-lt"/>
-                <a:ea typeface="+mj-ea"/>
-                <a:cs typeface="+mj-cs"/>
-              </a:defRPr>
-            </a:lvl1pPr>
-          </a:lstStyle>
-          <a:p>
-            <a:pPr algn="l"/>
-            <a:r>
-              <a:rPr lang="en-AU" altLang="zh-CN" sz="3600" dirty="0">
-                <a:solidFill>
-                  <a:schemeClr val="accent1"/>
-                </a:solidFill>
-              </a:rPr>
-              <a:t>Challenges</a:t>
-            </a:r>
-            <a:endParaRPr lang="en-AU" altLang="zh-CN" sz="3600" dirty="0">
-              <a:solidFill>
-                <a:schemeClr val="accent1"/>
-              </a:solidFill>
-            </a:endParaRPr>
-          </a:p>
-        </p:txBody>
-      </p:sp>
-      <p:sp>
-        <p:nvSpPr>
-          <p:cNvPr id="5" name="文本框 4"/>
-          <p:cNvSpPr txBox="1"/>
-          <p:nvPr>
-            <p:custDataLst>
-              <p:tags r:id="rId2"/>
-            </p:custDataLst>
-          </p:nvPr>
-        </p:nvSpPr>
-        <p:spPr>
-          <a:xfrm>
-            <a:off x="838165" y="1825200"/>
+            <a:off x="833720" y="1780115"/>
             <a:ext cx="10515600" cy="4352400"/>
           </a:xfrm>
           <a:prstGeom prst="rect">
@@ -5109,14 +5049,464 @@
           </a:p>
         </p:txBody>
       </p:sp>
+      <p:pic>
+        <p:nvPicPr>
+          <p:cNvPr id="3" name="Picture 2" descr="error1"/>
+          <p:cNvPicPr>
+            <a:picLocks noChangeAspect="1"/>
+          </p:cNvPicPr>
+          <p:nvPr/>
+        </p:nvPicPr>
+        <p:blipFill>
+          <a:blip r:embed="rId2"/>
+          <a:stretch>
+            <a:fillRect/>
+          </a:stretch>
+        </p:blipFill>
+        <p:spPr>
+          <a:xfrm>
+            <a:off x="4284345" y="2223135"/>
+            <a:ext cx="3947795" cy="2049780"/>
+          </a:xfrm>
+          <a:prstGeom prst="rect">
+            <a:avLst/>
+          </a:prstGeom>
+        </p:spPr>
+      </p:pic>
+      <p:sp>
+        <p:nvSpPr>
+          <p:cNvPr id="4" name="文本框 3"/>
+          <p:cNvSpPr txBox="1"/>
+          <p:nvPr>
+            <p:custDataLst>
+              <p:tags r:id="rId3"/>
+            </p:custDataLst>
+          </p:nvPr>
+        </p:nvSpPr>
+        <p:spPr>
+          <a:xfrm>
+            <a:off x="838165" y="353440"/>
+            <a:ext cx="10515600" cy="1324800"/>
+          </a:xfrm>
+          <a:prstGeom prst="rect">
+            <a:avLst/>
+          </a:prstGeom>
+        </p:spPr>
+        <p:txBody>
+          <a:bodyPr anchor="ctr" anchorCtr="0">
+            <a:normAutofit/>
+          </a:bodyPr>
+          <a:lstStyle>
+            <a:defPPr>
+              <a:defRPr lang="zh-CN"/>
+            </a:defPPr>
+            <a:lvl1pPr algn="ctr">
+              <a:lnSpc>
+                <a:spcPct val="90000"/>
+              </a:lnSpc>
+              <a:spcBef>
+                <a:spcPct val="0"/>
+              </a:spcBef>
+              <a:buNone/>
+              <a:defRPr sz="4400">
+                <a:latin typeface="+mj-lt"/>
+                <a:ea typeface="+mj-ea"/>
+                <a:cs typeface="+mj-cs"/>
+              </a:defRPr>
+            </a:lvl1pPr>
+          </a:lstStyle>
+          <a:p>
+            <a:pPr algn="l"/>
+            <a:r>
+              <a:rPr lang="en-AU" altLang="zh-CN" sz="3600" dirty="0">
+                <a:solidFill>
+                  <a:schemeClr val="accent1"/>
+                </a:solidFill>
+              </a:rPr>
+              <a:t>Challenges</a:t>
+            </a:r>
+            <a:endParaRPr lang="en-AU" altLang="zh-CN" sz="3600" dirty="0">
+              <a:solidFill>
+                <a:schemeClr val="accent1"/>
+              </a:solidFill>
+            </a:endParaRPr>
+          </a:p>
+        </p:txBody>
+      </p:sp>
+      <p:pic>
+        <p:nvPicPr>
+          <p:cNvPr id="8" name="Picture 7" descr="error4"/>
+          <p:cNvPicPr>
+            <a:picLocks noChangeAspect="1"/>
+          </p:cNvPicPr>
+          <p:nvPr/>
+        </p:nvPicPr>
+        <p:blipFill>
+          <a:blip r:embed="rId4"/>
+          <a:stretch>
+            <a:fillRect/>
+          </a:stretch>
+        </p:blipFill>
+        <p:spPr>
+          <a:xfrm>
+            <a:off x="1280795" y="1678305"/>
+            <a:ext cx="7430135" cy="3932555"/>
+          </a:xfrm>
+          <a:prstGeom prst="rect">
+            <a:avLst/>
+          </a:prstGeom>
+        </p:spPr>
+      </p:pic>
+      <p:pic>
+        <p:nvPicPr>
+          <p:cNvPr id="6" name="Picture 5" descr="error2"/>
+          <p:cNvPicPr>
+            <a:picLocks noChangeAspect="1"/>
+          </p:cNvPicPr>
+          <p:nvPr/>
+        </p:nvPicPr>
+        <p:blipFill>
+          <a:blip r:embed="rId5"/>
+          <a:stretch>
+            <a:fillRect/>
+          </a:stretch>
+        </p:blipFill>
+        <p:spPr>
+          <a:xfrm>
+            <a:off x="4203065" y="219710"/>
+            <a:ext cx="7910195" cy="5738495"/>
+          </a:xfrm>
+          <a:prstGeom prst="rect">
+            <a:avLst/>
+          </a:prstGeom>
+        </p:spPr>
+      </p:pic>
+      <p:pic>
+        <p:nvPicPr>
+          <p:cNvPr id="7" name="Picture 6" descr="error3"/>
+          <p:cNvPicPr>
+            <a:picLocks noChangeAspect="1"/>
+          </p:cNvPicPr>
+          <p:nvPr/>
+        </p:nvPicPr>
+        <p:blipFill>
+          <a:blip r:embed="rId6"/>
+          <a:stretch>
+            <a:fillRect/>
+          </a:stretch>
+        </p:blipFill>
+        <p:spPr>
+          <a:xfrm>
+            <a:off x="701675" y="87630"/>
+            <a:ext cx="9144635" cy="5435600"/>
+          </a:xfrm>
+          <a:prstGeom prst="rect">
+            <a:avLst/>
+          </a:prstGeom>
+        </p:spPr>
+      </p:pic>
     </p:spTree>
     <p:custDataLst>
-      <p:tags r:id="rId3"/>
+      <p:tags r:id="rId7"/>
     </p:custDataLst>
   </p:cSld>
   <p:clrMapOvr>
     <a:masterClrMapping/>
   </p:clrMapOvr>
+  <p:transition>
+    <p:fade/>
+  </p:transition>
+  <p:timing>
+    <p:tnLst>
+      <p:par>
+        <p:cTn id="1" dur="indefinite" restart="never" nodeType="tmRoot">
+          <p:childTnLst>
+            <p:seq concurrent="1" nextAc="seek">
+              <p:cTn id="2" dur="indefinite" nodeType="mainSeq">
+                <p:childTnLst>
+                  <p:par>
+                    <p:cTn id="3" fill="hold">
+                      <p:stCondLst>
+                        <p:cond delay="indefinite"/>
+                      </p:stCondLst>
+                      <p:childTnLst>
+                        <p:par>
+                          <p:cTn id="4" fill="hold">
+                            <p:stCondLst>
+                              <p:cond delay="0"/>
+                            </p:stCondLst>
+                            <p:childTnLst>
+                              <p:par>
+                                <p:cTn id="5" presetID="7" presetClass="entr" presetSubtype="4" fill="hold" nodeType="clickEffect">
+                                  <p:stCondLst>
+                                    <p:cond delay="0"/>
+                                  </p:stCondLst>
+                                  <p:childTnLst>
+                                    <p:set>
+                                      <p:cBhvr>
+                                        <p:cTn id="6" dur="1" fill="hold">
+                                          <p:stCondLst>
+                                            <p:cond delay="0"/>
+                                          </p:stCondLst>
+                                        </p:cTn>
+                                        <p:tgtEl>
+                                          <p:spTgt spid="3"/>
+                                        </p:tgtEl>
+                                        <p:attrNameLst>
+                                          <p:attrName>style.visibility</p:attrName>
+                                        </p:attrNameLst>
+                                      </p:cBhvr>
+                                      <p:to>
+                                        <p:strVal val="visible"/>
+                                      </p:to>
+                                    </p:set>
+                                    <p:anim calcmode="lin" valueType="num">
+                                      <p:cBhvr additive="base">
+                                        <p:cTn id="7" dur="2000" fill="hold"/>
+                                        <p:tgtEl>
+                                          <p:spTgt spid="3"/>
+                                        </p:tgtEl>
+                                        <p:attrNameLst>
+                                          <p:attrName>ppt_x</p:attrName>
+                                        </p:attrNameLst>
+                                      </p:cBhvr>
+                                      <p:tavLst>
+                                        <p:tav tm="0" fmla="">
+                                          <p:val>
+                                            <p:strVal val="#ppt_x"/>
+                                          </p:val>
+                                        </p:tav>
+                                        <p:tav tm="100000" fmla="">
+                                          <p:val>
+                                            <p:strVal val="#ppt_x"/>
+                                          </p:val>
+                                        </p:tav>
+                                      </p:tavLst>
+                                    </p:anim>
+                                    <p:anim calcmode="lin" valueType="num">
+                                      <p:cBhvr additive="base">
+                                        <p:cTn id="8" dur="2000" fill="hold"/>
+                                        <p:tgtEl>
+                                          <p:spTgt spid="3"/>
+                                        </p:tgtEl>
+                                        <p:attrNameLst>
+                                          <p:attrName>ppt_y</p:attrName>
+                                        </p:attrNameLst>
+                                      </p:cBhvr>
+                                      <p:tavLst>
+                                        <p:tav tm="0" fmla="">
+                                          <p:val>
+                                            <p:strVal val="1+#ppt_h/2"/>
+                                          </p:val>
+                                        </p:tav>
+                                        <p:tav tm="100000" fmla="">
+                                          <p:val>
+                                            <p:strVal val="#ppt_y"/>
+                                          </p:val>
+                                        </p:tav>
+                                      </p:tavLst>
+                                    </p:anim>
+                                  </p:childTnLst>
+                                </p:cTn>
+                              </p:par>
+                            </p:childTnLst>
+                          </p:cTn>
+                        </p:par>
+                        <p:par>
+                          <p:cTn id="9" fill="hold">
+                            <p:stCondLst>
+                              <p:cond delay="2000"/>
+                            </p:stCondLst>
+                            <p:childTnLst>
+                              <p:par>
+                                <p:cTn id="10" presetID="5" presetClass="entr" presetSubtype="10" fill="hold" nodeType="afterEffect">
+                                  <p:stCondLst>
+                                    <p:cond delay="2000"/>
+                                  </p:stCondLst>
+                                  <p:childTnLst>
+                                    <p:set>
+                                      <p:cBhvr>
+                                        <p:cTn id="11" dur="1" fill="hold">
+                                          <p:stCondLst>
+                                            <p:cond delay="0"/>
+                                          </p:stCondLst>
+                                        </p:cTn>
+                                        <p:tgtEl>
+                                          <p:spTgt spid="8"/>
+                                        </p:tgtEl>
+                                        <p:attrNameLst>
+                                          <p:attrName>style.visibility</p:attrName>
+                                        </p:attrNameLst>
+                                      </p:cBhvr>
+                                      <p:to>
+                                        <p:strVal val="visible"/>
+                                      </p:to>
+                                    </p:set>
+                                    <p:animEffect transition="in" filter="checkerboard(across)">
+                                      <p:cBhvr>
+                                        <p:cTn id="12" dur="500"/>
+                                        <p:tgtEl>
+                                          <p:spTgt spid="8"/>
+                                        </p:tgtEl>
+                                      </p:cBhvr>
+                                    </p:animEffect>
+                                  </p:childTnLst>
+                                </p:cTn>
+                              </p:par>
+                            </p:childTnLst>
+                          </p:cTn>
+                        </p:par>
+                        <p:par>
+                          <p:cTn id="13" fill="hold">
+                            <p:stCondLst>
+                              <p:cond delay="4500"/>
+                            </p:stCondLst>
+                            <p:childTnLst>
+                              <p:par>
+                                <p:cTn id="14" presetID="6" presetClass="entr" presetSubtype="16" fill="hold" nodeType="afterEffect">
+                                  <p:stCondLst>
+                                    <p:cond delay="0"/>
+                                  </p:stCondLst>
+                                  <p:childTnLst>
+                                    <p:set>
+                                      <p:cBhvr>
+                                        <p:cTn id="15" dur="1" fill="hold">
+                                          <p:stCondLst>
+                                            <p:cond delay="0"/>
+                                          </p:stCondLst>
+                                        </p:cTn>
+                                        <p:tgtEl>
+                                          <p:spTgt spid="6"/>
+                                        </p:tgtEl>
+                                        <p:attrNameLst>
+                                          <p:attrName>style.visibility</p:attrName>
+                                        </p:attrNameLst>
+                                      </p:cBhvr>
+                                      <p:to>
+                                        <p:strVal val="visible"/>
+                                      </p:to>
+                                    </p:set>
+                                    <p:animEffect transition="in" filter="circle(in)">
+                                      <p:cBhvr>
+                                        <p:cTn id="16" dur="1000"/>
+                                        <p:tgtEl>
+                                          <p:spTgt spid="6"/>
+                                        </p:tgtEl>
+                                      </p:cBhvr>
+                                    </p:animEffect>
+                                  </p:childTnLst>
+                                </p:cTn>
+                              </p:par>
+                            </p:childTnLst>
+                          </p:cTn>
+                        </p:par>
+                        <p:par>
+                          <p:cTn id="17" fill="hold">
+                            <p:stCondLst>
+                              <p:cond delay="5500"/>
+                            </p:stCondLst>
+                            <p:childTnLst>
+                              <p:par>
+                                <p:cTn id="18" presetID="2" presetClass="entr" presetSubtype="4" fill="hold" nodeType="afterEffect">
+                                  <p:stCondLst>
+                                    <p:cond delay="0"/>
+                                  </p:stCondLst>
+                                  <p:childTnLst>
+                                    <p:set>
+                                      <p:cBhvr>
+                                        <p:cTn id="19" dur="1" fill="hold">
+                                          <p:stCondLst>
+                                            <p:cond delay="0"/>
+                                          </p:stCondLst>
+                                        </p:cTn>
+                                        <p:tgtEl>
+                                          <p:spTgt spid="7"/>
+                                        </p:tgtEl>
+                                        <p:attrNameLst>
+                                          <p:attrName>style.visibility</p:attrName>
+                                        </p:attrNameLst>
+                                      </p:cBhvr>
+                                      <p:to>
+                                        <p:strVal val="visible"/>
+                                      </p:to>
+                                    </p:set>
+                                    <p:anim calcmode="lin" valueType="num">
+                                      <p:cBhvr additive="base">
+                                        <p:cTn id="20" dur="500" fill="hold"/>
+                                        <p:tgtEl>
+                                          <p:spTgt spid="7"/>
+                                        </p:tgtEl>
+                                        <p:attrNameLst>
+                                          <p:attrName>ppt_x</p:attrName>
+                                        </p:attrNameLst>
+                                      </p:cBhvr>
+                                      <p:tavLst>
+                                        <p:tav tm="0">
+                                          <p:val>
+                                            <p:strVal val="#ppt_x"/>
+                                          </p:val>
+                                        </p:tav>
+                                        <p:tav tm="100000">
+                                          <p:val>
+                                            <p:strVal val="#ppt_x"/>
+                                          </p:val>
+                                        </p:tav>
+                                      </p:tavLst>
+                                    </p:anim>
+                                    <p:anim calcmode="lin" valueType="num">
+                                      <p:cBhvr additive="base">
+                                        <p:cTn id="21" dur="500" fill="hold"/>
+                                        <p:tgtEl>
+                                          <p:spTgt spid="7"/>
+                                        </p:tgtEl>
+                                        <p:attrNameLst>
+                                          <p:attrName>ppt_y</p:attrName>
+                                        </p:attrNameLst>
+                                      </p:cBhvr>
+                                      <p:tavLst>
+                                        <p:tav tm="0">
+                                          <p:val>
+                                            <p:strVal val="1+#ppt_h/2"/>
+                                          </p:val>
+                                        </p:tav>
+                                        <p:tav tm="100000">
+                                          <p:val>
+                                            <p:strVal val="#ppt_y"/>
+                                          </p:val>
+                                        </p:tav>
+                                      </p:tavLst>
+                                    </p:anim>
+                                  </p:childTnLst>
+                                </p:cTn>
+                              </p:par>
+                            </p:childTnLst>
+                          </p:cTn>
+                        </p:par>
+                      </p:childTnLst>
+                    </p:cTn>
+                  </p:par>
+                </p:childTnLst>
+              </p:cTn>
+              <p:prevCondLst>
+                <p:cond evt="onPrev" delay="0">
+                  <p:tgtEl>
+                    <p:sldTgt/>
+                  </p:tgtEl>
+                </p:cond>
+              </p:prevCondLst>
+              <p:nextCondLst>
+                <p:cond evt="onNext" delay="0">
+                  <p:tgtEl>
+                    <p:sldTgt/>
+                  </p:tgtEl>
+                </p:cond>
+              </p:nextCondLst>
+            </p:seq>
+          </p:childTnLst>
+        </p:cTn>
+      </p:par>
+    </p:tnLst>
+  </p:timing>
 </p:sld>
 </file>
 
@@ -6112,6 +6502,25 @@
   <p:tag name="KSO_WM_BEAUTIFY_FLAG" val="#wm#"/>
   <p:tag name="KSO_WM_TEMPLATE_CATEGORY" val="custom"/>
   <p:tag name="KSO_WM_TEMPLATE_INDEX" val="160565"/>
+  <p:tag name="KSO_WM_UNIT_TYPE" val="f"/>
+  <p:tag name="KSO_WM_UNIT_INDEX" val="1"/>
+  <p:tag name="KSO_WM_UNIT_ID" val="custom160565_2*f*1"/>
+  <p:tag name="KSO_WM_UNIT_CLEAR" val="1"/>
+  <p:tag name="KSO_WM_UNIT_LAYERLEVEL" val="1"/>
+  <p:tag name="KSO_WM_UNIT_VALUE" val="429"/>
+  <p:tag name="KSO_WM_UNIT_HIGHLIGHT" val="0"/>
+  <p:tag name="KSO_WM_UNIT_COMPATIBLE" val="0"/>
+  <p:tag name="KSO_WM_UNIT_PRESET_TEXT_INDEX" val="5"/>
+  <p:tag name="KSO_WM_UNIT_PRESET_TEXT_LEN" val="232"/>
+</p:tagLst>
+</file>
+
+<file path=ppt/tags/tag26.xml><?xml version="1.0" encoding="utf-8"?>
+<p:tagLst xmlns:p="http://schemas.openxmlformats.org/presentationml/2006/main">
+  <p:tag name="KSO_WM_TAG_VERSION" val="1.0"/>
+  <p:tag name="KSO_WM_BEAUTIFY_FLAG" val="#wm#"/>
+  <p:tag name="KSO_WM_TEMPLATE_CATEGORY" val="custom"/>
+  <p:tag name="KSO_WM_TEMPLATE_INDEX" val="160565"/>
   <p:tag name="KSO_WM_UNIT_TYPE" val="a"/>
   <p:tag name="KSO_WM_UNIT_INDEX" val="1"/>
   <p:tag name="KSO_WM_UNIT_ID" val="custom160565_2*a*1"/>
@@ -6123,25 +6532,6 @@
   <p:tag name="KSO_WM_UNIT_COMPATIBLE" val="0"/>
   <p:tag name="KSO_WM_UNIT_PRESET_TEXT_INDEX" val="3"/>
   <p:tag name="KSO_WM_UNIT_PRESET_TEXT_LEN" val="17"/>
-</p:tagLst>
-</file>
-
-<file path=ppt/tags/tag26.xml><?xml version="1.0" encoding="utf-8"?>
-<p:tagLst xmlns:p="http://schemas.openxmlformats.org/presentationml/2006/main">
-  <p:tag name="KSO_WM_TAG_VERSION" val="1.0"/>
-  <p:tag name="KSO_WM_BEAUTIFY_FLAG" val="#wm#"/>
-  <p:tag name="KSO_WM_TEMPLATE_CATEGORY" val="custom"/>
-  <p:tag name="KSO_WM_TEMPLATE_INDEX" val="160565"/>
-  <p:tag name="KSO_WM_UNIT_TYPE" val="f"/>
-  <p:tag name="KSO_WM_UNIT_INDEX" val="1"/>
-  <p:tag name="KSO_WM_UNIT_ID" val="custom160565_2*f*1"/>
-  <p:tag name="KSO_WM_UNIT_CLEAR" val="1"/>
-  <p:tag name="KSO_WM_UNIT_LAYERLEVEL" val="1"/>
-  <p:tag name="KSO_WM_UNIT_VALUE" val="429"/>
-  <p:tag name="KSO_WM_UNIT_HIGHLIGHT" val="0"/>
-  <p:tag name="KSO_WM_UNIT_COMPATIBLE" val="0"/>
-  <p:tag name="KSO_WM_UNIT_PRESET_TEXT_INDEX" val="5"/>
-  <p:tag name="KSO_WM_UNIT_PRESET_TEXT_LEN" val="232"/>
 </p:tagLst>
 </file>
 

--- a/assessment docs/Rails Assessment.pptx
+++ b/assessment docs/Rails Assessment.pptx
@@ -4393,7 +4393,7 @@
           <a:p>
             <a:r>
               <a:rPr lang="en-AU" altLang="zh-CN" dirty="0"/>
-              <a:t>Glen &amp; Aaron</a:t>
+              <a:t>Aaron &amp; Glen</a:t>
             </a:r>
             <a:endParaRPr lang="en-AU" altLang="zh-CN" dirty="0"/>
           </a:p>

--- a/assessment docs/Rails Assessment.pptx
+++ b/assessment docs/Rails Assessment.pptx
@@ -5205,9 +5205,105 @@
           </a:prstGeom>
         </p:spPr>
       </p:pic>
+      <p:pic>
+        <p:nvPicPr>
+          <p:cNvPr id="2" name="Picture 1" descr="error5"/>
+          <p:cNvPicPr>
+            <a:picLocks noChangeAspect="1"/>
+          </p:cNvPicPr>
+          <p:nvPr/>
+        </p:nvPicPr>
+        <p:blipFill>
+          <a:blip r:embed="rId7"/>
+          <a:stretch>
+            <a:fillRect/>
+          </a:stretch>
+        </p:blipFill>
+        <p:spPr>
+          <a:xfrm>
+            <a:off x="-177800" y="2423795"/>
+            <a:ext cx="8164830" cy="4952365"/>
+          </a:xfrm>
+          <a:prstGeom prst="rect">
+            <a:avLst/>
+          </a:prstGeom>
+        </p:spPr>
+      </p:pic>
+      <p:pic>
+        <p:nvPicPr>
+          <p:cNvPr id="9" name="Picture 8" descr="error6"/>
+          <p:cNvPicPr>
+            <a:picLocks noChangeAspect="1"/>
+          </p:cNvPicPr>
+          <p:nvPr/>
+        </p:nvPicPr>
+        <p:blipFill>
+          <a:blip r:embed="rId8"/>
+          <a:stretch>
+            <a:fillRect/>
+          </a:stretch>
+        </p:blipFill>
+        <p:spPr>
+          <a:xfrm>
+            <a:off x="4313555" y="219710"/>
+            <a:ext cx="7689215" cy="3002280"/>
+          </a:xfrm>
+          <a:prstGeom prst="rect">
+            <a:avLst/>
+          </a:prstGeom>
+        </p:spPr>
+      </p:pic>
+      <p:pic>
+        <p:nvPicPr>
+          <p:cNvPr id="10" name="Picture 9" descr="error7"/>
+          <p:cNvPicPr>
+            <a:picLocks noChangeAspect="1"/>
+          </p:cNvPicPr>
+          <p:nvPr/>
+        </p:nvPicPr>
+        <p:blipFill>
+          <a:blip r:embed="rId9"/>
+          <a:stretch>
+            <a:fillRect/>
+          </a:stretch>
+        </p:blipFill>
+        <p:spPr>
+          <a:xfrm>
+            <a:off x="2219325" y="2258060"/>
+            <a:ext cx="10057765" cy="5118100"/>
+          </a:xfrm>
+          <a:prstGeom prst="rect">
+            <a:avLst/>
+          </a:prstGeom>
+        </p:spPr>
+      </p:pic>
+      <p:pic>
+        <p:nvPicPr>
+          <p:cNvPr id="11" name="Picture 10" descr="error8"/>
+          <p:cNvPicPr>
+            <a:picLocks noChangeAspect="1"/>
+          </p:cNvPicPr>
+          <p:nvPr/>
+        </p:nvPicPr>
+        <p:blipFill>
+          <a:blip r:embed="rId10"/>
+          <a:stretch>
+            <a:fillRect/>
+          </a:stretch>
+        </p:blipFill>
+        <p:spPr>
+          <a:xfrm>
+            <a:off x="2329815" y="759460"/>
+            <a:ext cx="6729095" cy="3795395"/>
+          </a:xfrm>
+          <a:prstGeom prst="rect">
+            <a:avLst/>
+          </a:prstGeom>
+        </p:spPr>
+      </p:pic>
     </p:spTree>
     <p:custDataLst>
-      <p:tags r:id="rId7"/>
+      <p:tags r:id="rId11"/>
     </p:custDataLst>
   </p:cSld>
   <p:clrMapOvr>
@@ -5228,6 +5324,9 @@
                     <p:cTn id="3" fill="hold">
                       <p:stCondLst>
                         <p:cond delay="indefinite"/>
+                        <p:cond evt="onBegin" delay="0">
+                          <p:tn val="2"/>
+                        </p:cond>
                       </p:stCondLst>
                       <p:childTnLst>
                         <p:par>
@@ -5237,9 +5336,9 @@
                             </p:stCondLst>
                             <p:childTnLst>
                               <p:par>
-                                <p:cTn id="5" presetID="7" presetClass="entr" presetSubtype="4" fill="hold" nodeType="clickEffect">
+                                <p:cTn id="5" presetID="7" presetClass="entr" presetSubtype="4" fill="hold" nodeType="afterEffect">
                                   <p:stCondLst>
-                                    <p:cond delay="0"/>
+                                    <p:cond delay="5000"/>
                                   </p:stCondLst>
                                   <p:childTnLst>
                                     <p:set>
@@ -5315,7 +5414,7 @@
                         <p:par>
                           <p:cTn id="9" fill="hold">
                             <p:stCondLst>
-                              <p:cond delay="2000"/>
+                              <p:cond delay="7000"/>
                             </p:stCondLst>
                             <p:childTnLst>
                               <p:par>
@@ -5359,7 +5458,7 @@
                         <p:par>
                           <p:cTn id="13" fill="hold">
                             <p:stCondLst>
-                              <p:cond delay="4500"/>
+                              <p:cond delay="9500"/>
                             </p:stCondLst>
                             <p:childTnLst>
                               <p:par>
@@ -5403,7 +5502,7 @@
                         <p:par>
                           <p:cTn id="17" fill="hold">
                             <p:stCondLst>
-                              <p:cond delay="5500"/>
+                              <p:cond delay="10500"/>
                             </p:stCondLst>
                             <p:childTnLst>
                               <p:par>
@@ -5476,6 +5575,205 @@
                                         </p:tav>
                                       </p:tavLst>
                                     </p:anim>
+                                  </p:childTnLst>
+                                </p:cTn>
+                              </p:par>
+                            </p:childTnLst>
+                          </p:cTn>
+                        </p:par>
+                        <p:par>
+                          <p:cTn id="22" fill="hold">
+                            <p:stCondLst>
+                              <p:cond delay="11000"/>
+                            </p:stCondLst>
+                            <p:childTnLst>
+                              <p:par>
+                                <p:cTn id="23" presetID="12" presetClass="entr" presetSubtype="4" fill="hold" nodeType="afterEffect">
+                                  <p:stCondLst>
+                                    <p:cond delay="0"/>
+                                  </p:stCondLst>
+                                  <p:childTnLst>
+                                    <p:set>
+                                      <p:cBhvr>
+                                        <p:cTn id="24" dur="1" fill="hold">
+                                          <p:stCondLst>
+                                            <p:cond delay="0"/>
+                                          </p:stCondLst>
+                                        </p:cTn>
+                                        <p:tgtEl>
+                                          <p:spTgt spid="2"/>
+                                        </p:tgtEl>
+                                        <p:attrNameLst>
+                                          <p:attrName>style.visibility</p:attrName>
+                                        </p:attrNameLst>
+                                      </p:cBhvr>
+                                      <p:to>
+                                        <p:strVal val="visible"/>
+                                      </p:to>
+                                    </p:set>
+                                    <p:anim calcmode="lin" valueType="num">
+                                      <p:cBhvr additive="base">
+                                        <p:cTn id="25" dur="500"/>
+                                        <p:tgtEl>
+                                          <p:spTgt spid="2"/>
+                                        </p:tgtEl>
+                                        <p:attrNameLst>
+                                          <p:attrName>ppt_y</p:attrName>
+                                        </p:attrNameLst>
+                                      </p:cBhvr>
+                                      <p:tavLst>
+                                        <p:tav tm="0">
+                                          <p:val>
+                                            <p:strVal val="#ppt_y+#ppt_h*1.125000"/>
+                                          </p:val>
+                                        </p:tav>
+                                        <p:tav tm="100000">
+                                          <p:val>
+                                            <p:strVal val="#ppt_y"/>
+                                          </p:val>
+                                        </p:tav>
+                                      </p:tavLst>
+                                    </p:anim>
+                                    <p:animEffect transition="in" filter="wipe(up)">
+                                      <p:cBhvr>
+                                        <p:cTn id="26" dur="500"/>
+                                        <p:tgtEl>
+                                          <p:spTgt spid="2"/>
+                                        </p:tgtEl>
+                                      </p:cBhvr>
+                                    </p:animEffect>
+                                  </p:childTnLst>
+                                </p:cTn>
+                              </p:par>
+                            </p:childTnLst>
+                          </p:cTn>
+                        </p:par>
+                        <p:par>
+                          <p:cTn id="27" fill="hold">
+                            <p:stCondLst>
+                              <p:cond delay="11500"/>
+                            </p:stCondLst>
+                            <p:childTnLst>
+                              <p:par>
+                                <p:cTn id="28" presetID="8" presetClass="entr" presetSubtype="16" fill="hold" nodeType="afterEffect">
+                                  <p:stCondLst>
+                                    <p:cond delay="0"/>
+                                  </p:stCondLst>
+                                  <p:childTnLst>
+                                    <p:set>
+                                      <p:cBhvr>
+                                        <p:cTn id="29" dur="1" fill="hold">
+                                          <p:stCondLst>
+                                            <p:cond delay="0"/>
+                                          </p:stCondLst>
+                                        </p:cTn>
+                                        <p:tgtEl>
+                                          <p:spTgt spid="9"/>
+                                        </p:tgtEl>
+                                        <p:attrNameLst>
+                                          <p:attrName>style.visibility</p:attrName>
+                                        </p:attrNameLst>
+                                      </p:cBhvr>
+                                      <p:to>
+                                        <p:strVal val="visible"/>
+                                      </p:to>
+                                    </p:set>
+                                    <p:animEffect transition="in" filter="diamond(in)">
+                                      <p:cBhvr>
+                                        <p:cTn id="30" dur="1000"/>
+                                        <p:tgtEl>
+                                          <p:spTgt spid="9"/>
+                                        </p:tgtEl>
+                                      </p:cBhvr>
+                                    </p:animEffect>
+                                  </p:childTnLst>
+                                </p:cTn>
+                              </p:par>
+                            </p:childTnLst>
+                          </p:cTn>
+                        </p:par>
+                        <p:par>
+                          <p:cTn id="31" fill="hold">
+                            <p:stCondLst>
+                              <p:cond delay="12500"/>
+                            </p:stCondLst>
+                            <p:childTnLst>
+                              <p:par>
+                                <p:cTn id="32" presetID="9" presetClass="entr" presetSubtype="0" fill="hold" nodeType="afterEffect">
+                                  <p:stCondLst>
+                                    <p:cond delay="0"/>
+                                  </p:stCondLst>
+                                  <p:childTnLst>
+                                    <p:set>
+                                      <p:cBhvr>
+                                        <p:cTn id="33" dur="1" fill="hold">
+                                          <p:stCondLst>
+                                            <p:cond delay="0"/>
+                                          </p:stCondLst>
+                                        </p:cTn>
+                                        <p:tgtEl>
+                                          <p:spTgt spid="10"/>
+                                        </p:tgtEl>
+                                        <p:attrNameLst>
+                                          <p:attrName>style.visibility</p:attrName>
+                                        </p:attrNameLst>
+                                      </p:cBhvr>
+                                      <p:to>
+                                        <p:strVal val="visible"/>
+                                      </p:to>
+                                    </p:set>
+                                    <p:animEffect transition="in" filter="dissolve">
+                                      <p:cBhvr>
+                                        <p:cTn id="34" dur="1000"/>
+                                        <p:tgtEl>
+                                          <p:spTgt spid="10"/>
+                                        </p:tgtEl>
+                                      </p:cBhvr>
+                                    </p:animEffect>
+                                  </p:childTnLst>
+                                </p:cTn>
+                              </p:par>
+                            </p:childTnLst>
+                          </p:cTn>
+                        </p:par>
+                        <p:par>
+                          <p:cTn id="35" fill="hold">
+                            <p:stCondLst>
+                              <p:cond delay="13500"/>
+                            </p:stCondLst>
+                            <p:childTnLst>
+                              <p:par>
+                                <p:cTn id="36" presetID="4" presetClass="entr" presetSubtype="16" fill="hold" nodeType="afterEffect">
+                                  <p:stCondLst>
+                                    <p:cond delay="0"/>
+                                  </p:stCondLst>
+                                  <p:childTnLst>
+                                    <p:set>
+                                      <p:cBhvr>
+                                        <p:cTn id="37" dur="1" fill="hold">
+                                          <p:stCondLst>
+                                            <p:cond delay="0"/>
+                                          </p:stCondLst>
+                                        </p:cTn>
+                                        <p:tgtEl>
+                                          <p:spTgt spid="11"/>
+                                        </p:tgtEl>
+                                        <p:attrNameLst>
+                                          <p:attrName>style.visibility</p:attrName>
+                                        </p:attrNameLst>
+                                      </p:cBhvr>
+                                      <p:to>
+                                        <p:strVal val="visible"/>
+                                      </p:to>
+                                    </p:set>
+                                    <p:animEffect transition="in" filter="box(in)">
+                                      <p:cBhvr>
+                                        <p:cTn id="38" dur="1000"/>
+                                        <p:tgtEl>
+                                          <p:spTgt spid="11"/>
+                                        </p:tgtEl>
+                                      </p:cBhvr>
+                                    </p:animEffect>
                                   </p:childTnLst>
                                 </p:cTn>
                               </p:par>
